--- a/presentation/style/hu-style.pptx
+++ b/presentation/style/hu-style.pptx
@@ -5,10 +5,10 @@
     <p:sldMasterId id="2147483648" r:id="rId1"/>
   </p:sldMasterIdLst>
   <p:sldIdLst>
-    <p:sldId id="257" r:id="rId2"/>
+    <p:sldId id="256" r:id="rId2"/>
   </p:sldIdLst>
   <p:sldSz cx="12192000" cy="6858000"/>
-  <p:notesSz cx="7010400" cy="9296400"/>
+  <p:notesSz cx="6858000" cy="9144000"/>
   <p:defaultTextStyle>
     <a:defPPr>
       <a:defRPr lang="en-US"/>
@@ -106,25 +106,14 @@
   </p:defaultTextStyle>
   <p:extLst>
     <p:ext uri="{EFAFB233-063F-42B5-8137-9DF3F51BA10A}">
-      <p15:sldGuideLst xmlns:p15="http://schemas.microsoft.com/office/powerpoint/2012/main">
-        <p15:guide id="1" orient="horz" pos="2160">
-          <p15:clr>
-            <a:srgbClr val="A4A3A4"/>
-          </p15:clr>
-        </p15:guide>
-        <p15:guide id="2" pos="3840">
-          <p15:clr>
-            <a:srgbClr val="A4A3A4"/>
-          </p15:clr>
-        </p15:guide>
-      </p15:sldGuideLst>
+      <p15:sldGuideLst xmlns:p15="http://schemas.microsoft.com/office/powerpoint/2012/main"/>
     </p:ext>
   </p:extLst>
 </p:presentation>
 </file>
 
 <file path=ppt/slideLayouts/slideLayout1.xml><?xml version="1.0" encoding="utf-8"?>
-<p:sldLayout xmlns:a="http://schemas.openxmlformats.org/drawingml/2006/main" xmlns:r="http://schemas.openxmlformats.org/officeDocument/2006/relationships" xmlns:p="http://schemas.openxmlformats.org/presentationml/2006/main" showMasterSp="0" type="title" preserve="1">
+<p:sldLayout xmlns:a="http://schemas.openxmlformats.org/drawingml/2006/main" xmlns:r="http://schemas.openxmlformats.org/officeDocument/2006/relationships" xmlns:p="http://schemas.openxmlformats.org/presentationml/2006/main" type="title" preserve="1">
   <p:cSld name="Title Slide">
     <p:spTree>
       <p:nvGrpSpPr>
@@ -142,7 +131,13 @@
       </p:grpSpPr>
       <p:sp>
         <p:nvSpPr>
-          <p:cNvPr id="2" name="Title 1"/>
+          <p:cNvPr id="2" name="Title 1">
+            <a:extLst>
+              <a:ext uri="{FF2B5EF4-FFF2-40B4-BE49-F238E27FC236}">
+                <a16:creationId xmlns:a16="http://schemas.microsoft.com/office/drawing/2014/main" id="{096A77A9-7AD8-4941-B922-5732FA21D14E}"/>
+              </a:ext>
+            </a:extLst>
+          </p:cNvPr>
           <p:cNvSpPr>
             <a:spLocks noGrp="1"/>
           </p:cNvSpPr>
@@ -173,7 +168,13 @@
       </p:sp>
       <p:sp>
         <p:nvSpPr>
-          <p:cNvPr id="3" name="Subtitle 2"/>
+          <p:cNvPr id="3" name="Subtitle 2">
+            <a:extLst>
+              <a:ext uri="{FF2B5EF4-FFF2-40B4-BE49-F238E27FC236}">
+                <a16:creationId xmlns:a16="http://schemas.microsoft.com/office/drawing/2014/main" id="{97B7A6B1-2504-4A50-A633-C7AAA82301C0}"/>
+              </a:ext>
+            </a:extLst>
+          </p:cNvPr>
           <p:cNvSpPr>
             <a:spLocks noGrp="1"/>
           </p:cNvSpPr>
@@ -237,7 +238,13 @@
       </p:sp>
       <p:sp>
         <p:nvSpPr>
-          <p:cNvPr id="4" name="Date Placeholder 3"/>
+          <p:cNvPr id="4" name="Date Placeholder 3">
+            <a:extLst>
+              <a:ext uri="{FF2B5EF4-FFF2-40B4-BE49-F238E27FC236}">
+                <a16:creationId xmlns:a16="http://schemas.microsoft.com/office/drawing/2014/main" id="{EDEECFC2-8A93-45C0-BB63-1E244422F25C}"/>
+              </a:ext>
+            </a:extLst>
+          </p:cNvPr>
           <p:cNvSpPr>
             <a:spLocks noGrp="1"/>
           </p:cNvSpPr>
@@ -250,7 +257,7 @@
           <a:bodyPr/>
           <a:lstStyle/>
           <a:p>
-            <a:fld id="{426B9DD5-D2B7-49DC-BA36-1E30DFBF7B84}" type="datetimeFigureOut">
+            <a:fld id="{E01C39C6-3501-4D24-801C-8B471AFBDCCE}" type="datetimeFigureOut">
               <a:rPr lang="en-US" smtClean="0"/>
               <a:t>11/16/2018</a:t>
             </a:fld>
@@ -260,7 +267,13 @@
       </p:sp>
       <p:sp>
         <p:nvSpPr>
-          <p:cNvPr id="5" name="Footer Placeholder 4"/>
+          <p:cNvPr id="5" name="Footer Placeholder 4">
+            <a:extLst>
+              <a:ext uri="{FF2B5EF4-FFF2-40B4-BE49-F238E27FC236}">
+                <a16:creationId xmlns:a16="http://schemas.microsoft.com/office/drawing/2014/main" id="{BDB38B8E-8872-4801-9607-E79241BAB2DB}"/>
+              </a:ext>
+            </a:extLst>
+          </p:cNvPr>
           <p:cNvSpPr>
             <a:spLocks noGrp="1"/>
           </p:cNvSpPr>
@@ -279,7 +292,13 @@
       </p:sp>
       <p:sp>
         <p:nvSpPr>
-          <p:cNvPr id="6" name="Slide Number Placeholder 5"/>
+          <p:cNvPr id="6" name="Slide Number Placeholder 5">
+            <a:extLst>
+              <a:ext uri="{FF2B5EF4-FFF2-40B4-BE49-F238E27FC236}">
+                <a16:creationId xmlns:a16="http://schemas.microsoft.com/office/drawing/2014/main" id="{01CA4B8D-EE3B-4809-9BCC-07B17DE5FEC5}"/>
+              </a:ext>
+            </a:extLst>
+          </p:cNvPr>
           <p:cNvSpPr>
             <a:spLocks noGrp="1"/>
           </p:cNvSpPr>
@@ -292,7 +311,7 @@
           <a:bodyPr/>
           <a:lstStyle/>
           <a:p>
-            <a:fld id="{DBCDEA5B-9948-40E0-9D22-EF4A730D5AC3}" type="slidenum">
+            <a:fld id="{986BF9AA-1B5B-419E-B179-FEA371A3B128}" type="slidenum">
               <a:rPr lang="en-US" smtClean="0"/>
               <a:t>‹#›</a:t>
             </a:fld>
@@ -303,7 +322,7 @@
     </p:spTree>
     <p:extLst>
       <p:ext uri="{BB962C8B-B14F-4D97-AF65-F5344CB8AC3E}">
-        <p14:creationId xmlns:p14="http://schemas.microsoft.com/office/powerpoint/2010/main" val="3542052631"/>
+        <p14:creationId xmlns:p14="http://schemas.microsoft.com/office/powerpoint/2010/main" val="698860245"/>
       </p:ext>
     </p:extLst>
   </p:cSld>
@@ -314,7 +333,7 @@
 </file>
 
 <file path=ppt/slideLayouts/slideLayout10.xml><?xml version="1.0" encoding="utf-8"?>
-<p:sldLayout xmlns:a="http://schemas.openxmlformats.org/drawingml/2006/main" xmlns:r="http://schemas.openxmlformats.org/officeDocument/2006/relationships" xmlns:p="http://schemas.openxmlformats.org/presentationml/2006/main" showMasterSp="0" type="vertTx" preserve="1">
+<p:sldLayout xmlns:a="http://schemas.openxmlformats.org/drawingml/2006/main" xmlns:r="http://schemas.openxmlformats.org/officeDocument/2006/relationships" xmlns:p="http://schemas.openxmlformats.org/presentationml/2006/main" type="vertTx" preserve="1">
   <p:cSld name="Title and Vertical Text">
     <p:spTree>
       <p:nvGrpSpPr>
@@ -332,7 +351,13 @@
       </p:grpSpPr>
       <p:sp>
         <p:nvSpPr>
-          <p:cNvPr id="2" name="Title 1"/>
+          <p:cNvPr id="2" name="Title 1">
+            <a:extLst>
+              <a:ext uri="{FF2B5EF4-FFF2-40B4-BE49-F238E27FC236}">
+                <a16:creationId xmlns:a16="http://schemas.microsoft.com/office/drawing/2014/main" id="{1641BBCD-44DE-4372-86DE-9912F042BAB4}"/>
+              </a:ext>
+            </a:extLst>
+          </p:cNvPr>
           <p:cNvSpPr>
             <a:spLocks noGrp="1"/>
           </p:cNvSpPr>
@@ -354,7 +379,13 @@
       </p:sp>
       <p:sp>
         <p:nvSpPr>
-          <p:cNvPr id="3" name="Vertical Text Placeholder 2"/>
+          <p:cNvPr id="3" name="Vertical Text Placeholder 2">
+            <a:extLst>
+              <a:ext uri="{FF2B5EF4-FFF2-40B4-BE49-F238E27FC236}">
+                <a16:creationId xmlns:a16="http://schemas.microsoft.com/office/drawing/2014/main" id="{3D7DA1DA-7B64-4C88-AC7A-4AD06CB8436F}"/>
+              </a:ext>
+            </a:extLst>
+          </p:cNvPr>
           <p:cNvSpPr>
             <a:spLocks noGrp="1"/>
           </p:cNvSpPr>
@@ -370,7 +401,7 @@
             <a:pPr lvl="0"/>
             <a:r>
               <a:rPr lang="en-US"/>
-              <a:t>Click to edit Master text styles</a:t>
+              <a:t>Edit Master text styles</a:t>
             </a:r>
           </a:p>
           <a:p>
@@ -405,7 +436,13 @@
       </p:sp>
       <p:sp>
         <p:nvSpPr>
-          <p:cNvPr id="4" name="Date Placeholder 3"/>
+          <p:cNvPr id="4" name="Date Placeholder 3">
+            <a:extLst>
+              <a:ext uri="{FF2B5EF4-FFF2-40B4-BE49-F238E27FC236}">
+                <a16:creationId xmlns:a16="http://schemas.microsoft.com/office/drawing/2014/main" id="{A9DD9492-F89D-4577-9EAA-BDA2040350D5}"/>
+              </a:ext>
+            </a:extLst>
+          </p:cNvPr>
           <p:cNvSpPr>
             <a:spLocks noGrp="1"/>
           </p:cNvSpPr>
@@ -418,7 +455,7 @@
           <a:bodyPr/>
           <a:lstStyle/>
           <a:p>
-            <a:fld id="{426B9DD5-D2B7-49DC-BA36-1E30DFBF7B84}" type="datetimeFigureOut">
+            <a:fld id="{E01C39C6-3501-4D24-801C-8B471AFBDCCE}" type="datetimeFigureOut">
               <a:rPr lang="en-US" smtClean="0"/>
               <a:t>11/16/2018</a:t>
             </a:fld>
@@ -428,7 +465,13 @@
       </p:sp>
       <p:sp>
         <p:nvSpPr>
-          <p:cNvPr id="5" name="Footer Placeholder 4"/>
+          <p:cNvPr id="5" name="Footer Placeholder 4">
+            <a:extLst>
+              <a:ext uri="{FF2B5EF4-FFF2-40B4-BE49-F238E27FC236}">
+                <a16:creationId xmlns:a16="http://schemas.microsoft.com/office/drawing/2014/main" id="{5F672E97-199A-4C4C-A66D-48CCA94CB16D}"/>
+              </a:ext>
+            </a:extLst>
+          </p:cNvPr>
           <p:cNvSpPr>
             <a:spLocks noGrp="1"/>
           </p:cNvSpPr>
@@ -447,7 +490,13 @@
       </p:sp>
       <p:sp>
         <p:nvSpPr>
-          <p:cNvPr id="6" name="Slide Number Placeholder 5"/>
+          <p:cNvPr id="6" name="Slide Number Placeholder 5">
+            <a:extLst>
+              <a:ext uri="{FF2B5EF4-FFF2-40B4-BE49-F238E27FC236}">
+                <a16:creationId xmlns:a16="http://schemas.microsoft.com/office/drawing/2014/main" id="{70A2F9BA-DB44-41AE-B4CF-50A267911C0A}"/>
+              </a:ext>
+            </a:extLst>
+          </p:cNvPr>
           <p:cNvSpPr>
             <a:spLocks noGrp="1"/>
           </p:cNvSpPr>
@@ -460,7 +509,7 @@
           <a:bodyPr/>
           <a:lstStyle/>
           <a:p>
-            <a:fld id="{DBCDEA5B-9948-40E0-9D22-EF4A730D5AC3}" type="slidenum">
+            <a:fld id="{986BF9AA-1B5B-419E-B179-FEA371A3B128}" type="slidenum">
               <a:rPr lang="en-US" smtClean="0"/>
               <a:t>‹#›</a:t>
             </a:fld>
@@ -471,7 +520,7 @@
     </p:spTree>
     <p:extLst>
       <p:ext uri="{BB962C8B-B14F-4D97-AF65-F5344CB8AC3E}">
-        <p14:creationId xmlns:p14="http://schemas.microsoft.com/office/powerpoint/2010/main" val="2477252818"/>
+        <p14:creationId xmlns:p14="http://schemas.microsoft.com/office/powerpoint/2010/main" val="2559861430"/>
       </p:ext>
     </p:extLst>
   </p:cSld>
@@ -482,7 +531,7 @@
 </file>
 
 <file path=ppt/slideLayouts/slideLayout11.xml><?xml version="1.0" encoding="utf-8"?>
-<p:sldLayout xmlns:a="http://schemas.openxmlformats.org/drawingml/2006/main" xmlns:r="http://schemas.openxmlformats.org/officeDocument/2006/relationships" xmlns:p="http://schemas.openxmlformats.org/presentationml/2006/main" showMasterSp="0" type="vertTitleAndTx" preserve="1">
+<p:sldLayout xmlns:a="http://schemas.openxmlformats.org/drawingml/2006/main" xmlns:r="http://schemas.openxmlformats.org/officeDocument/2006/relationships" xmlns:p="http://schemas.openxmlformats.org/presentationml/2006/main" type="vertTitleAndTx" preserve="1">
   <p:cSld name="Vertical Title and Text">
     <p:spTree>
       <p:nvGrpSpPr>
@@ -500,7 +549,13 @@
       </p:grpSpPr>
       <p:sp>
         <p:nvSpPr>
-          <p:cNvPr id="2" name="Vertical Title 1"/>
+          <p:cNvPr id="2" name="Vertical Title 1">
+            <a:extLst>
+              <a:ext uri="{FF2B5EF4-FFF2-40B4-BE49-F238E27FC236}">
+                <a16:creationId xmlns:a16="http://schemas.microsoft.com/office/drawing/2014/main" id="{693C8061-3F34-4B8A-A863-770EA6FCF59E}"/>
+              </a:ext>
+            </a:extLst>
+          </p:cNvPr>
           <p:cNvSpPr>
             <a:spLocks noGrp="1"/>
           </p:cNvSpPr>
@@ -527,7 +582,13 @@
       </p:sp>
       <p:sp>
         <p:nvSpPr>
-          <p:cNvPr id="3" name="Vertical Text Placeholder 2"/>
+          <p:cNvPr id="3" name="Vertical Text Placeholder 2">
+            <a:extLst>
+              <a:ext uri="{FF2B5EF4-FFF2-40B4-BE49-F238E27FC236}">
+                <a16:creationId xmlns:a16="http://schemas.microsoft.com/office/drawing/2014/main" id="{D162D839-0A97-421B-BB51-46C285DDD45E}"/>
+              </a:ext>
+            </a:extLst>
+          </p:cNvPr>
           <p:cNvSpPr>
             <a:spLocks noGrp="1"/>
           </p:cNvSpPr>
@@ -548,7 +609,7 @@
             <a:pPr lvl="0"/>
             <a:r>
               <a:rPr lang="en-US"/>
-              <a:t>Click to edit Master text styles</a:t>
+              <a:t>Edit Master text styles</a:t>
             </a:r>
           </a:p>
           <a:p>
@@ -583,7 +644,13 @@
       </p:sp>
       <p:sp>
         <p:nvSpPr>
-          <p:cNvPr id="4" name="Date Placeholder 3"/>
+          <p:cNvPr id="4" name="Date Placeholder 3">
+            <a:extLst>
+              <a:ext uri="{FF2B5EF4-FFF2-40B4-BE49-F238E27FC236}">
+                <a16:creationId xmlns:a16="http://schemas.microsoft.com/office/drawing/2014/main" id="{9D371943-519F-4CE6-884D-8FCC5BBDBFB3}"/>
+              </a:ext>
+            </a:extLst>
+          </p:cNvPr>
           <p:cNvSpPr>
             <a:spLocks noGrp="1"/>
           </p:cNvSpPr>
@@ -596,7 +663,7 @@
           <a:bodyPr/>
           <a:lstStyle/>
           <a:p>
-            <a:fld id="{426B9DD5-D2B7-49DC-BA36-1E30DFBF7B84}" type="datetimeFigureOut">
+            <a:fld id="{E01C39C6-3501-4D24-801C-8B471AFBDCCE}" type="datetimeFigureOut">
               <a:rPr lang="en-US" smtClean="0"/>
               <a:t>11/16/2018</a:t>
             </a:fld>
@@ -606,7 +673,13 @@
       </p:sp>
       <p:sp>
         <p:nvSpPr>
-          <p:cNvPr id="5" name="Footer Placeholder 4"/>
+          <p:cNvPr id="5" name="Footer Placeholder 4">
+            <a:extLst>
+              <a:ext uri="{FF2B5EF4-FFF2-40B4-BE49-F238E27FC236}">
+                <a16:creationId xmlns:a16="http://schemas.microsoft.com/office/drawing/2014/main" id="{5E471016-A525-40CD-9921-D887DE4290FB}"/>
+              </a:ext>
+            </a:extLst>
+          </p:cNvPr>
           <p:cNvSpPr>
             <a:spLocks noGrp="1"/>
           </p:cNvSpPr>
@@ -625,7 +698,13 @@
       </p:sp>
       <p:sp>
         <p:nvSpPr>
-          <p:cNvPr id="6" name="Slide Number Placeholder 5"/>
+          <p:cNvPr id="6" name="Slide Number Placeholder 5">
+            <a:extLst>
+              <a:ext uri="{FF2B5EF4-FFF2-40B4-BE49-F238E27FC236}">
+                <a16:creationId xmlns:a16="http://schemas.microsoft.com/office/drawing/2014/main" id="{8AF1FA3F-7B65-42D7-AB87-87D470C18342}"/>
+              </a:ext>
+            </a:extLst>
+          </p:cNvPr>
           <p:cNvSpPr>
             <a:spLocks noGrp="1"/>
           </p:cNvSpPr>
@@ -638,7 +717,7 @@
           <a:bodyPr/>
           <a:lstStyle/>
           <a:p>
-            <a:fld id="{DBCDEA5B-9948-40E0-9D22-EF4A730D5AC3}" type="slidenum">
+            <a:fld id="{986BF9AA-1B5B-419E-B179-FEA371A3B128}" type="slidenum">
               <a:rPr lang="en-US" smtClean="0"/>
               <a:t>‹#›</a:t>
             </a:fld>
@@ -649,7 +728,7 @@
     </p:spTree>
     <p:extLst>
       <p:ext uri="{BB962C8B-B14F-4D97-AF65-F5344CB8AC3E}">
-        <p14:creationId xmlns:p14="http://schemas.microsoft.com/office/powerpoint/2010/main" val="4043099626"/>
+        <p14:creationId xmlns:p14="http://schemas.microsoft.com/office/powerpoint/2010/main" val="832821952"/>
       </p:ext>
     </p:extLst>
   </p:cSld>
@@ -660,7 +739,7 @@
 </file>
 
 <file path=ppt/slideLayouts/slideLayout2.xml><?xml version="1.0" encoding="utf-8"?>
-<p:sldLayout xmlns:a="http://schemas.openxmlformats.org/drawingml/2006/main" xmlns:r="http://schemas.openxmlformats.org/officeDocument/2006/relationships" xmlns:p="http://schemas.openxmlformats.org/presentationml/2006/main" showMasterSp="0" type="obj" preserve="1">
+<p:sldLayout xmlns:a="http://schemas.openxmlformats.org/drawingml/2006/main" xmlns:r="http://schemas.openxmlformats.org/officeDocument/2006/relationships" xmlns:p="http://schemas.openxmlformats.org/presentationml/2006/main" type="obj" preserve="1">
   <p:cSld name="Title and Content">
     <p:spTree>
       <p:nvGrpSpPr>
@@ -678,7 +757,13 @@
       </p:grpSpPr>
       <p:sp>
         <p:nvSpPr>
-          <p:cNvPr id="2" name="Title 1"/>
+          <p:cNvPr id="2" name="Title 1">
+            <a:extLst>
+              <a:ext uri="{FF2B5EF4-FFF2-40B4-BE49-F238E27FC236}">
+                <a16:creationId xmlns:a16="http://schemas.microsoft.com/office/drawing/2014/main" id="{913C105C-8B8F-4AB2-9C6E-0A0B640F5FDE}"/>
+              </a:ext>
+            </a:extLst>
+          </p:cNvPr>
           <p:cNvSpPr>
             <a:spLocks noGrp="1"/>
           </p:cNvSpPr>
@@ -700,7 +785,13 @@
       </p:sp>
       <p:sp>
         <p:nvSpPr>
-          <p:cNvPr id="3" name="Content Placeholder 2"/>
+          <p:cNvPr id="3" name="Content Placeholder 2">
+            <a:extLst>
+              <a:ext uri="{FF2B5EF4-FFF2-40B4-BE49-F238E27FC236}">
+                <a16:creationId xmlns:a16="http://schemas.microsoft.com/office/drawing/2014/main" id="{831FE6B0-4BF1-4FC0-96C1-CDAF313BFE06}"/>
+              </a:ext>
+            </a:extLst>
+          </p:cNvPr>
           <p:cNvSpPr>
             <a:spLocks noGrp="1"/>
           </p:cNvSpPr>
@@ -708,12 +799,7 @@
             <p:ph idx="1"/>
           </p:nvPr>
         </p:nvSpPr>
-        <p:spPr>
-          <a:xfrm>
-            <a:off x="3224213" y="1577975"/>
-            <a:ext cx="10515600" cy="4351338"/>
-          </a:xfrm>
-        </p:spPr>
+        <p:spPr/>
         <p:txBody>
           <a:bodyPr/>
           <a:lstStyle/>
@@ -721,7 +807,7 @@
             <a:pPr lvl="0"/>
             <a:r>
               <a:rPr lang="en-US"/>
-              <a:t>Click to edit Master text styles</a:t>
+              <a:t>Edit Master text styles</a:t>
             </a:r>
           </a:p>
           <a:p>
@@ -756,7 +842,13 @@
       </p:sp>
       <p:sp>
         <p:nvSpPr>
-          <p:cNvPr id="4" name="Date Placeholder 3"/>
+          <p:cNvPr id="4" name="Date Placeholder 3">
+            <a:extLst>
+              <a:ext uri="{FF2B5EF4-FFF2-40B4-BE49-F238E27FC236}">
+                <a16:creationId xmlns:a16="http://schemas.microsoft.com/office/drawing/2014/main" id="{2F488CE2-65D9-4C69-8C6C-FF24D4F2CDD1}"/>
+              </a:ext>
+            </a:extLst>
+          </p:cNvPr>
           <p:cNvSpPr>
             <a:spLocks noGrp="1"/>
           </p:cNvSpPr>
@@ -769,7 +861,7 @@
           <a:bodyPr/>
           <a:lstStyle/>
           <a:p>
-            <a:fld id="{426B9DD5-D2B7-49DC-BA36-1E30DFBF7B84}" type="datetimeFigureOut">
+            <a:fld id="{E01C39C6-3501-4D24-801C-8B471AFBDCCE}" type="datetimeFigureOut">
               <a:rPr lang="en-US" smtClean="0"/>
               <a:t>11/16/2018</a:t>
             </a:fld>
@@ -779,7 +871,13 @@
       </p:sp>
       <p:sp>
         <p:nvSpPr>
-          <p:cNvPr id="5" name="Footer Placeholder 4"/>
+          <p:cNvPr id="5" name="Footer Placeholder 4">
+            <a:extLst>
+              <a:ext uri="{FF2B5EF4-FFF2-40B4-BE49-F238E27FC236}">
+                <a16:creationId xmlns:a16="http://schemas.microsoft.com/office/drawing/2014/main" id="{B932010A-9811-4C7F-8D19-68E052A20911}"/>
+              </a:ext>
+            </a:extLst>
+          </p:cNvPr>
           <p:cNvSpPr>
             <a:spLocks noGrp="1"/>
           </p:cNvSpPr>
@@ -798,7 +896,13 @@
       </p:sp>
       <p:sp>
         <p:nvSpPr>
-          <p:cNvPr id="6" name="Slide Number Placeholder 5"/>
+          <p:cNvPr id="6" name="Slide Number Placeholder 5">
+            <a:extLst>
+              <a:ext uri="{FF2B5EF4-FFF2-40B4-BE49-F238E27FC236}">
+                <a16:creationId xmlns:a16="http://schemas.microsoft.com/office/drawing/2014/main" id="{B1707826-F268-4D45-B1E9-00BC2FA2FC22}"/>
+              </a:ext>
+            </a:extLst>
+          </p:cNvPr>
           <p:cNvSpPr>
             <a:spLocks noGrp="1"/>
           </p:cNvSpPr>
@@ -811,7 +915,7 @@
           <a:bodyPr/>
           <a:lstStyle/>
           <a:p>
-            <a:fld id="{DBCDEA5B-9948-40E0-9D22-EF4A730D5AC3}" type="slidenum">
+            <a:fld id="{986BF9AA-1B5B-419E-B179-FEA371A3B128}" type="slidenum">
               <a:rPr lang="en-US" smtClean="0"/>
               <a:t>‹#›</a:t>
             </a:fld>
@@ -819,156 +923,10 @@
           </a:p>
         </p:txBody>
       </p:sp>
-      <p:pic>
-        <p:nvPicPr>
-          <p:cNvPr id="7" name="Picture 6"/>
-          <p:cNvPicPr>
-            <a:picLocks noChangeAspect="1"/>
-          </p:cNvPicPr>
-          <p:nvPr userDrawn="1"/>
-        </p:nvPicPr>
-        <p:blipFill>
-          <a:blip r:embed="rId2" cstate="print">
-            <a:extLst>
-              <a:ext uri="{28A0092B-C50C-407E-A947-70E740481C1C}">
-                <a14:useLocalDpi xmlns:a14="http://schemas.microsoft.com/office/drawing/2010/main" val="0"/>
-              </a:ext>
-            </a:extLst>
-          </a:blip>
-          <a:stretch>
-            <a:fillRect/>
-          </a:stretch>
-        </p:blipFill>
-        <p:spPr>
-          <a:xfrm rot="-5400000">
-            <a:off x="-2775808" y="2768434"/>
-            <a:ext cx="6159982" cy="608367"/>
-          </a:xfrm>
-          <a:prstGeom prst="rect">
-            <a:avLst/>
-          </a:prstGeom>
-        </p:spPr>
-      </p:pic>
-      <p:sp>
-        <p:nvSpPr>
-          <p:cNvPr id="8" name="Rectangle 7"/>
-          <p:cNvSpPr/>
-          <p:nvPr userDrawn="1"/>
-        </p:nvSpPr>
-        <p:spPr>
-          <a:xfrm>
-            <a:off x="-1" y="6152607"/>
-            <a:ext cx="608366" cy="705393"/>
-          </a:xfrm>
-          <a:prstGeom prst="rect">
-            <a:avLst/>
-          </a:prstGeom>
-          <a:solidFill>
-            <a:srgbClr val="00604E"/>
-          </a:solidFill>
-          <a:ln>
-            <a:noFill/>
-          </a:ln>
-        </p:spPr>
-        <p:style>
-          <a:lnRef idx="2">
-            <a:schemeClr val="accent1">
-              <a:shade val="50000"/>
-            </a:schemeClr>
-          </a:lnRef>
-          <a:fillRef idx="1">
-            <a:schemeClr val="accent1"/>
-          </a:fillRef>
-          <a:effectRef idx="0">
-            <a:schemeClr val="accent1"/>
-          </a:effectRef>
-          <a:fontRef idx="minor">
-            <a:schemeClr val="lt1"/>
-          </a:fontRef>
-        </p:style>
-        <p:txBody>
-          <a:bodyPr rtlCol="0" anchor="ctr"/>
-          <a:lstStyle/>
-          <a:p>
-            <a:pPr algn="ctr"/>
-            <a:endParaRPr lang="en-US"/>
-          </a:p>
-        </p:txBody>
-      </p:sp>
-      <p:cxnSp>
-        <p:nvCxnSpPr>
-          <p:cNvPr id="20" name="Straight Connector 19"/>
-          <p:cNvCxnSpPr/>
-          <p:nvPr userDrawn="1"/>
-        </p:nvCxnSpPr>
-        <p:spPr>
-          <a:xfrm flipH="1">
-            <a:off x="316747" y="6089775"/>
-            <a:ext cx="45200" cy="121861"/>
-          </a:xfrm>
-          <a:prstGeom prst="line">
-            <a:avLst/>
-          </a:prstGeom>
-          <a:ln w="9525">
-            <a:solidFill>
-              <a:srgbClr val="FAF36C"/>
-            </a:solidFill>
-          </a:ln>
-        </p:spPr>
-        <p:style>
-          <a:lnRef idx="2">
-            <a:schemeClr val="accent4"/>
-          </a:lnRef>
-          <a:fillRef idx="0">
-            <a:schemeClr val="accent4"/>
-          </a:fillRef>
-          <a:effectRef idx="1">
-            <a:schemeClr val="accent4"/>
-          </a:effectRef>
-          <a:fontRef idx="minor">
-            <a:schemeClr val="tx1"/>
-          </a:fontRef>
-        </p:style>
-      </p:cxnSp>
-      <p:cxnSp>
-        <p:nvCxnSpPr>
-          <p:cNvPr id="13" name="Straight Connector 12"/>
-          <p:cNvCxnSpPr/>
-          <p:nvPr userDrawn="1"/>
-        </p:nvCxnSpPr>
-        <p:spPr>
-          <a:xfrm>
-            <a:off x="247650" y="6088857"/>
-            <a:ext cx="50007" cy="126205"/>
-          </a:xfrm>
-          <a:prstGeom prst="line">
-            <a:avLst/>
-          </a:prstGeom>
-          <a:ln w="9525">
-            <a:solidFill>
-              <a:srgbClr val="FAF36C"/>
-            </a:solidFill>
-          </a:ln>
-        </p:spPr>
-        <p:style>
-          <a:lnRef idx="2">
-            <a:schemeClr val="accent4"/>
-          </a:lnRef>
-          <a:fillRef idx="0">
-            <a:schemeClr val="accent4"/>
-          </a:fillRef>
-          <a:effectRef idx="1">
-            <a:schemeClr val="accent4"/>
-          </a:effectRef>
-          <a:fontRef idx="minor">
-            <a:schemeClr val="tx1"/>
-          </a:fontRef>
-        </p:style>
-      </p:cxnSp>
     </p:spTree>
     <p:extLst>
       <p:ext uri="{BB962C8B-B14F-4D97-AF65-F5344CB8AC3E}">
-        <p14:creationId xmlns:p14="http://schemas.microsoft.com/office/powerpoint/2010/main" val="2041906774"/>
+        <p14:creationId xmlns:p14="http://schemas.microsoft.com/office/powerpoint/2010/main" val="3401830529"/>
       </p:ext>
     </p:extLst>
   </p:cSld>
@@ -979,7 +937,7 @@
 </file>
 
 <file path=ppt/slideLayouts/slideLayout3.xml><?xml version="1.0" encoding="utf-8"?>
-<p:sldLayout xmlns:a="http://schemas.openxmlformats.org/drawingml/2006/main" xmlns:r="http://schemas.openxmlformats.org/officeDocument/2006/relationships" xmlns:p="http://schemas.openxmlformats.org/presentationml/2006/main" showMasterSp="0" type="secHead" preserve="1">
+<p:sldLayout xmlns:a="http://schemas.openxmlformats.org/drawingml/2006/main" xmlns:r="http://schemas.openxmlformats.org/officeDocument/2006/relationships" xmlns:p="http://schemas.openxmlformats.org/presentationml/2006/main" type="secHead" preserve="1">
   <p:cSld name="Section Header">
     <p:spTree>
       <p:nvGrpSpPr>
@@ -997,7 +955,13 @@
       </p:grpSpPr>
       <p:sp>
         <p:nvSpPr>
-          <p:cNvPr id="2" name="Title 1"/>
+          <p:cNvPr id="2" name="Title 1">
+            <a:extLst>
+              <a:ext uri="{FF2B5EF4-FFF2-40B4-BE49-F238E27FC236}">
+                <a16:creationId xmlns:a16="http://schemas.microsoft.com/office/drawing/2014/main" id="{EA2D345A-7C40-47F0-B1EE-5E1626796E88}"/>
+              </a:ext>
+            </a:extLst>
+          </p:cNvPr>
           <p:cNvSpPr>
             <a:spLocks noGrp="1"/>
           </p:cNvSpPr>
@@ -1028,7 +992,13 @@
       </p:sp>
       <p:sp>
         <p:nvSpPr>
-          <p:cNvPr id="3" name="Text Placeholder 2"/>
+          <p:cNvPr id="3" name="Text Placeholder 2">
+            <a:extLst>
+              <a:ext uri="{FF2B5EF4-FFF2-40B4-BE49-F238E27FC236}">
+                <a16:creationId xmlns:a16="http://schemas.microsoft.com/office/drawing/2014/main" id="{048F2066-E691-4057-9122-7C8E2C3042D0}"/>
+              </a:ext>
+            </a:extLst>
+          </p:cNvPr>
           <p:cNvSpPr>
             <a:spLocks noGrp="1"/>
           </p:cNvSpPr>
@@ -1140,14 +1110,20 @@
             <a:pPr lvl="0"/>
             <a:r>
               <a:rPr lang="en-US"/>
-              <a:t>Click to edit Master text styles</a:t>
-            </a:r>
-          </a:p>
-        </p:txBody>
-      </p:sp>
-      <p:sp>
-        <p:nvSpPr>
-          <p:cNvPr id="4" name="Date Placeholder 3"/>
+              <a:t>Edit Master text styles</a:t>
+            </a:r>
+          </a:p>
+        </p:txBody>
+      </p:sp>
+      <p:sp>
+        <p:nvSpPr>
+          <p:cNvPr id="4" name="Date Placeholder 3">
+            <a:extLst>
+              <a:ext uri="{FF2B5EF4-FFF2-40B4-BE49-F238E27FC236}">
+                <a16:creationId xmlns:a16="http://schemas.microsoft.com/office/drawing/2014/main" id="{B725C38D-0C32-49AE-B8F1-F7457BD0225E}"/>
+              </a:ext>
+            </a:extLst>
+          </p:cNvPr>
           <p:cNvSpPr>
             <a:spLocks noGrp="1"/>
           </p:cNvSpPr>
@@ -1160,7 +1136,7 @@
           <a:bodyPr/>
           <a:lstStyle/>
           <a:p>
-            <a:fld id="{426B9DD5-D2B7-49DC-BA36-1E30DFBF7B84}" type="datetimeFigureOut">
+            <a:fld id="{E01C39C6-3501-4D24-801C-8B471AFBDCCE}" type="datetimeFigureOut">
               <a:rPr lang="en-US" smtClean="0"/>
               <a:t>11/16/2018</a:t>
             </a:fld>
@@ -1170,7 +1146,13 @@
       </p:sp>
       <p:sp>
         <p:nvSpPr>
-          <p:cNvPr id="5" name="Footer Placeholder 4"/>
+          <p:cNvPr id="5" name="Footer Placeholder 4">
+            <a:extLst>
+              <a:ext uri="{FF2B5EF4-FFF2-40B4-BE49-F238E27FC236}">
+                <a16:creationId xmlns:a16="http://schemas.microsoft.com/office/drawing/2014/main" id="{A5E987FD-0A3C-4B61-A83E-EFC350F2A43A}"/>
+              </a:ext>
+            </a:extLst>
+          </p:cNvPr>
           <p:cNvSpPr>
             <a:spLocks noGrp="1"/>
           </p:cNvSpPr>
@@ -1189,7 +1171,13 @@
       </p:sp>
       <p:sp>
         <p:nvSpPr>
-          <p:cNvPr id="6" name="Slide Number Placeholder 5"/>
+          <p:cNvPr id="6" name="Slide Number Placeholder 5">
+            <a:extLst>
+              <a:ext uri="{FF2B5EF4-FFF2-40B4-BE49-F238E27FC236}">
+                <a16:creationId xmlns:a16="http://schemas.microsoft.com/office/drawing/2014/main" id="{7A98BAB2-F0A4-4161-848D-89D4F0517554}"/>
+              </a:ext>
+            </a:extLst>
+          </p:cNvPr>
           <p:cNvSpPr>
             <a:spLocks noGrp="1"/>
           </p:cNvSpPr>
@@ -1202,7 +1190,7 @@
           <a:bodyPr/>
           <a:lstStyle/>
           <a:p>
-            <a:fld id="{DBCDEA5B-9948-40E0-9D22-EF4A730D5AC3}" type="slidenum">
+            <a:fld id="{986BF9AA-1B5B-419E-B179-FEA371A3B128}" type="slidenum">
               <a:rPr lang="en-US" smtClean="0"/>
               <a:t>‹#›</a:t>
             </a:fld>
@@ -1213,7 +1201,7 @@
     </p:spTree>
     <p:extLst>
       <p:ext uri="{BB962C8B-B14F-4D97-AF65-F5344CB8AC3E}">
-        <p14:creationId xmlns:p14="http://schemas.microsoft.com/office/powerpoint/2010/main" val="1310576327"/>
+        <p14:creationId xmlns:p14="http://schemas.microsoft.com/office/powerpoint/2010/main" val="756350248"/>
       </p:ext>
     </p:extLst>
   </p:cSld>
@@ -1224,7 +1212,7 @@
 </file>
 
 <file path=ppt/slideLayouts/slideLayout4.xml><?xml version="1.0" encoding="utf-8"?>
-<p:sldLayout xmlns:a="http://schemas.openxmlformats.org/drawingml/2006/main" xmlns:r="http://schemas.openxmlformats.org/officeDocument/2006/relationships" xmlns:p="http://schemas.openxmlformats.org/presentationml/2006/main" showMasterSp="0" type="twoObj" preserve="1">
+<p:sldLayout xmlns:a="http://schemas.openxmlformats.org/drawingml/2006/main" xmlns:r="http://schemas.openxmlformats.org/officeDocument/2006/relationships" xmlns:p="http://schemas.openxmlformats.org/presentationml/2006/main" type="twoObj" preserve="1">
   <p:cSld name="Two Content">
     <p:spTree>
       <p:nvGrpSpPr>
@@ -1242,7 +1230,13 @@
       </p:grpSpPr>
       <p:sp>
         <p:nvSpPr>
-          <p:cNvPr id="2" name="Title 1"/>
+          <p:cNvPr id="2" name="Title 1">
+            <a:extLst>
+              <a:ext uri="{FF2B5EF4-FFF2-40B4-BE49-F238E27FC236}">
+                <a16:creationId xmlns:a16="http://schemas.microsoft.com/office/drawing/2014/main" id="{7A73820E-9034-43B7-B378-C0F7F1B8133C}"/>
+              </a:ext>
+            </a:extLst>
+          </p:cNvPr>
           <p:cNvSpPr>
             <a:spLocks noGrp="1"/>
           </p:cNvSpPr>
@@ -1264,7 +1258,13 @@
       </p:sp>
       <p:sp>
         <p:nvSpPr>
-          <p:cNvPr id="3" name="Content Placeholder 2"/>
+          <p:cNvPr id="3" name="Content Placeholder 2">
+            <a:extLst>
+              <a:ext uri="{FF2B5EF4-FFF2-40B4-BE49-F238E27FC236}">
+                <a16:creationId xmlns:a16="http://schemas.microsoft.com/office/drawing/2014/main" id="{DD8CB03E-2966-4CEF-B8DB-8C653BFDDCF3}"/>
+              </a:ext>
+            </a:extLst>
+          </p:cNvPr>
           <p:cNvSpPr>
             <a:spLocks noGrp="1"/>
           </p:cNvSpPr>
@@ -1285,7 +1285,7 @@
             <a:pPr lvl="0"/>
             <a:r>
               <a:rPr lang="en-US"/>
-              <a:t>Click to edit Master text styles</a:t>
+              <a:t>Edit Master text styles</a:t>
             </a:r>
           </a:p>
           <a:p>
@@ -1320,7 +1320,13 @@
       </p:sp>
       <p:sp>
         <p:nvSpPr>
-          <p:cNvPr id="4" name="Content Placeholder 3"/>
+          <p:cNvPr id="4" name="Content Placeholder 3">
+            <a:extLst>
+              <a:ext uri="{FF2B5EF4-FFF2-40B4-BE49-F238E27FC236}">
+                <a16:creationId xmlns:a16="http://schemas.microsoft.com/office/drawing/2014/main" id="{35D4AAB9-01DF-43A4-B725-181925923F17}"/>
+              </a:ext>
+            </a:extLst>
+          </p:cNvPr>
           <p:cNvSpPr>
             <a:spLocks noGrp="1"/>
           </p:cNvSpPr>
@@ -1341,7 +1347,7 @@
             <a:pPr lvl="0"/>
             <a:r>
               <a:rPr lang="en-US"/>
-              <a:t>Click to edit Master text styles</a:t>
+              <a:t>Edit Master text styles</a:t>
             </a:r>
           </a:p>
           <a:p>
@@ -1376,7 +1382,13 @@
       </p:sp>
       <p:sp>
         <p:nvSpPr>
-          <p:cNvPr id="5" name="Date Placeholder 4"/>
+          <p:cNvPr id="5" name="Date Placeholder 4">
+            <a:extLst>
+              <a:ext uri="{FF2B5EF4-FFF2-40B4-BE49-F238E27FC236}">
+                <a16:creationId xmlns:a16="http://schemas.microsoft.com/office/drawing/2014/main" id="{7930D00E-4190-4BC7-AF5E-2F2560BABAC2}"/>
+              </a:ext>
+            </a:extLst>
+          </p:cNvPr>
           <p:cNvSpPr>
             <a:spLocks noGrp="1"/>
           </p:cNvSpPr>
@@ -1389,7 +1401,7 @@
           <a:bodyPr/>
           <a:lstStyle/>
           <a:p>
-            <a:fld id="{426B9DD5-D2B7-49DC-BA36-1E30DFBF7B84}" type="datetimeFigureOut">
+            <a:fld id="{E01C39C6-3501-4D24-801C-8B471AFBDCCE}" type="datetimeFigureOut">
               <a:rPr lang="en-US" smtClean="0"/>
               <a:t>11/16/2018</a:t>
             </a:fld>
@@ -1399,7 +1411,13 @@
       </p:sp>
       <p:sp>
         <p:nvSpPr>
-          <p:cNvPr id="6" name="Footer Placeholder 5"/>
+          <p:cNvPr id="6" name="Footer Placeholder 5">
+            <a:extLst>
+              <a:ext uri="{FF2B5EF4-FFF2-40B4-BE49-F238E27FC236}">
+                <a16:creationId xmlns:a16="http://schemas.microsoft.com/office/drawing/2014/main" id="{1DBE0241-1F08-4172-8589-D1DD2220B1C6}"/>
+              </a:ext>
+            </a:extLst>
+          </p:cNvPr>
           <p:cNvSpPr>
             <a:spLocks noGrp="1"/>
           </p:cNvSpPr>
@@ -1418,7 +1436,13 @@
       </p:sp>
       <p:sp>
         <p:nvSpPr>
-          <p:cNvPr id="7" name="Slide Number Placeholder 6"/>
+          <p:cNvPr id="7" name="Slide Number Placeholder 6">
+            <a:extLst>
+              <a:ext uri="{FF2B5EF4-FFF2-40B4-BE49-F238E27FC236}">
+                <a16:creationId xmlns:a16="http://schemas.microsoft.com/office/drawing/2014/main" id="{5C8405A4-D9A9-4280-8DEB-7466E004CA1C}"/>
+              </a:ext>
+            </a:extLst>
+          </p:cNvPr>
           <p:cNvSpPr>
             <a:spLocks noGrp="1"/>
           </p:cNvSpPr>
@@ -1431,7 +1455,7 @@
           <a:bodyPr/>
           <a:lstStyle/>
           <a:p>
-            <a:fld id="{DBCDEA5B-9948-40E0-9D22-EF4A730D5AC3}" type="slidenum">
+            <a:fld id="{986BF9AA-1B5B-419E-B179-FEA371A3B128}" type="slidenum">
               <a:rPr lang="en-US" smtClean="0"/>
               <a:t>‹#›</a:t>
             </a:fld>
@@ -1442,7 +1466,7 @@
     </p:spTree>
     <p:extLst>
       <p:ext uri="{BB962C8B-B14F-4D97-AF65-F5344CB8AC3E}">
-        <p14:creationId xmlns:p14="http://schemas.microsoft.com/office/powerpoint/2010/main" val="909801075"/>
+        <p14:creationId xmlns:p14="http://schemas.microsoft.com/office/powerpoint/2010/main" val="2590045208"/>
       </p:ext>
     </p:extLst>
   </p:cSld>
@@ -1453,7 +1477,7 @@
 </file>
 
 <file path=ppt/slideLayouts/slideLayout5.xml><?xml version="1.0" encoding="utf-8"?>
-<p:sldLayout xmlns:a="http://schemas.openxmlformats.org/drawingml/2006/main" xmlns:r="http://schemas.openxmlformats.org/officeDocument/2006/relationships" xmlns:p="http://schemas.openxmlformats.org/presentationml/2006/main" showMasterSp="0" type="twoTxTwoObj" preserve="1">
+<p:sldLayout xmlns:a="http://schemas.openxmlformats.org/drawingml/2006/main" xmlns:r="http://schemas.openxmlformats.org/officeDocument/2006/relationships" xmlns:p="http://schemas.openxmlformats.org/presentationml/2006/main" type="twoTxTwoObj" preserve="1">
   <p:cSld name="Comparison">
     <p:spTree>
       <p:nvGrpSpPr>
@@ -1471,7 +1495,13 @@
       </p:grpSpPr>
       <p:sp>
         <p:nvSpPr>
-          <p:cNvPr id="2" name="Title 1"/>
+          <p:cNvPr id="2" name="Title 1">
+            <a:extLst>
+              <a:ext uri="{FF2B5EF4-FFF2-40B4-BE49-F238E27FC236}">
+                <a16:creationId xmlns:a16="http://schemas.microsoft.com/office/drawing/2014/main" id="{C00E5AB5-D95D-4FE5-8CAF-74177B6A15BF}"/>
+              </a:ext>
+            </a:extLst>
+          </p:cNvPr>
           <p:cNvSpPr>
             <a:spLocks noGrp="1"/>
           </p:cNvSpPr>
@@ -1498,7 +1528,13 @@
       </p:sp>
       <p:sp>
         <p:nvSpPr>
-          <p:cNvPr id="3" name="Text Placeholder 2"/>
+          <p:cNvPr id="3" name="Text Placeholder 2">
+            <a:extLst>
+              <a:ext uri="{FF2B5EF4-FFF2-40B4-BE49-F238E27FC236}">
+                <a16:creationId xmlns:a16="http://schemas.microsoft.com/office/drawing/2014/main" id="{6CD18E88-3408-432D-9F9F-032E7FE93A51}"/>
+              </a:ext>
+            </a:extLst>
+          </p:cNvPr>
           <p:cNvSpPr>
             <a:spLocks noGrp="1"/>
           </p:cNvSpPr>
@@ -1556,14 +1592,20 @@
             <a:pPr lvl="0"/>
             <a:r>
               <a:rPr lang="en-US"/>
-              <a:t>Click to edit Master text styles</a:t>
-            </a:r>
-          </a:p>
-        </p:txBody>
-      </p:sp>
-      <p:sp>
-        <p:nvSpPr>
-          <p:cNvPr id="4" name="Content Placeholder 3"/>
+              <a:t>Edit Master text styles</a:t>
+            </a:r>
+          </a:p>
+        </p:txBody>
+      </p:sp>
+      <p:sp>
+        <p:nvSpPr>
+          <p:cNvPr id="4" name="Content Placeholder 3">
+            <a:extLst>
+              <a:ext uri="{FF2B5EF4-FFF2-40B4-BE49-F238E27FC236}">
+                <a16:creationId xmlns:a16="http://schemas.microsoft.com/office/drawing/2014/main" id="{FE4E0596-D872-419A-8F1D-E597E0971822}"/>
+              </a:ext>
+            </a:extLst>
+          </p:cNvPr>
           <p:cNvSpPr>
             <a:spLocks noGrp="1"/>
           </p:cNvSpPr>
@@ -1584,7 +1626,7 @@
             <a:pPr lvl="0"/>
             <a:r>
               <a:rPr lang="en-US"/>
-              <a:t>Click to edit Master text styles</a:t>
+              <a:t>Edit Master text styles</a:t>
             </a:r>
           </a:p>
           <a:p>
@@ -1619,7 +1661,13 @@
       </p:sp>
       <p:sp>
         <p:nvSpPr>
-          <p:cNvPr id="5" name="Text Placeholder 4"/>
+          <p:cNvPr id="5" name="Text Placeholder 4">
+            <a:extLst>
+              <a:ext uri="{FF2B5EF4-FFF2-40B4-BE49-F238E27FC236}">
+                <a16:creationId xmlns:a16="http://schemas.microsoft.com/office/drawing/2014/main" id="{B10751F7-2DE3-400B-B857-B0D2D06BBADA}"/>
+              </a:ext>
+            </a:extLst>
+          </p:cNvPr>
           <p:cNvSpPr>
             <a:spLocks noGrp="1"/>
           </p:cNvSpPr>
@@ -1677,14 +1725,20 @@
             <a:pPr lvl="0"/>
             <a:r>
               <a:rPr lang="en-US"/>
-              <a:t>Click to edit Master text styles</a:t>
-            </a:r>
-          </a:p>
-        </p:txBody>
-      </p:sp>
-      <p:sp>
-        <p:nvSpPr>
-          <p:cNvPr id="6" name="Content Placeholder 5"/>
+              <a:t>Edit Master text styles</a:t>
+            </a:r>
+          </a:p>
+        </p:txBody>
+      </p:sp>
+      <p:sp>
+        <p:nvSpPr>
+          <p:cNvPr id="6" name="Content Placeholder 5">
+            <a:extLst>
+              <a:ext uri="{FF2B5EF4-FFF2-40B4-BE49-F238E27FC236}">
+                <a16:creationId xmlns:a16="http://schemas.microsoft.com/office/drawing/2014/main" id="{9807F830-7C8B-4FF4-9368-8B016AEE1A17}"/>
+              </a:ext>
+            </a:extLst>
+          </p:cNvPr>
           <p:cNvSpPr>
             <a:spLocks noGrp="1"/>
           </p:cNvSpPr>
@@ -1705,7 +1759,7 @@
             <a:pPr lvl="0"/>
             <a:r>
               <a:rPr lang="en-US"/>
-              <a:t>Click to edit Master text styles</a:t>
+              <a:t>Edit Master text styles</a:t>
             </a:r>
           </a:p>
           <a:p>
@@ -1740,7 +1794,13 @@
       </p:sp>
       <p:sp>
         <p:nvSpPr>
-          <p:cNvPr id="7" name="Date Placeholder 6"/>
+          <p:cNvPr id="7" name="Date Placeholder 6">
+            <a:extLst>
+              <a:ext uri="{FF2B5EF4-FFF2-40B4-BE49-F238E27FC236}">
+                <a16:creationId xmlns:a16="http://schemas.microsoft.com/office/drawing/2014/main" id="{583C1B4A-F424-4094-B1F1-A8AEC2388C06}"/>
+              </a:ext>
+            </a:extLst>
+          </p:cNvPr>
           <p:cNvSpPr>
             <a:spLocks noGrp="1"/>
           </p:cNvSpPr>
@@ -1753,7 +1813,7 @@
           <a:bodyPr/>
           <a:lstStyle/>
           <a:p>
-            <a:fld id="{426B9DD5-D2B7-49DC-BA36-1E30DFBF7B84}" type="datetimeFigureOut">
+            <a:fld id="{E01C39C6-3501-4D24-801C-8B471AFBDCCE}" type="datetimeFigureOut">
               <a:rPr lang="en-US" smtClean="0"/>
               <a:t>11/16/2018</a:t>
             </a:fld>
@@ -1763,7 +1823,13 @@
       </p:sp>
       <p:sp>
         <p:nvSpPr>
-          <p:cNvPr id="8" name="Footer Placeholder 7"/>
+          <p:cNvPr id="8" name="Footer Placeholder 7">
+            <a:extLst>
+              <a:ext uri="{FF2B5EF4-FFF2-40B4-BE49-F238E27FC236}">
+                <a16:creationId xmlns:a16="http://schemas.microsoft.com/office/drawing/2014/main" id="{008E34F1-5ACD-4B7A-8594-86A41B5CDB92}"/>
+              </a:ext>
+            </a:extLst>
+          </p:cNvPr>
           <p:cNvSpPr>
             <a:spLocks noGrp="1"/>
           </p:cNvSpPr>
@@ -1782,7 +1848,13 @@
       </p:sp>
       <p:sp>
         <p:nvSpPr>
-          <p:cNvPr id="9" name="Slide Number Placeholder 8"/>
+          <p:cNvPr id="9" name="Slide Number Placeholder 8">
+            <a:extLst>
+              <a:ext uri="{FF2B5EF4-FFF2-40B4-BE49-F238E27FC236}">
+                <a16:creationId xmlns:a16="http://schemas.microsoft.com/office/drawing/2014/main" id="{41F6890A-4142-4098-A73E-C641F7595E73}"/>
+              </a:ext>
+            </a:extLst>
+          </p:cNvPr>
           <p:cNvSpPr>
             <a:spLocks noGrp="1"/>
           </p:cNvSpPr>
@@ -1795,7 +1867,7 @@
           <a:bodyPr/>
           <a:lstStyle/>
           <a:p>
-            <a:fld id="{DBCDEA5B-9948-40E0-9D22-EF4A730D5AC3}" type="slidenum">
+            <a:fld id="{986BF9AA-1B5B-419E-B179-FEA371A3B128}" type="slidenum">
               <a:rPr lang="en-US" smtClean="0"/>
               <a:t>‹#›</a:t>
             </a:fld>
@@ -1806,7 +1878,7 @@
     </p:spTree>
     <p:extLst>
       <p:ext uri="{BB962C8B-B14F-4D97-AF65-F5344CB8AC3E}">
-        <p14:creationId xmlns:p14="http://schemas.microsoft.com/office/powerpoint/2010/main" val="2247576998"/>
+        <p14:creationId xmlns:p14="http://schemas.microsoft.com/office/powerpoint/2010/main" val="1420731306"/>
       </p:ext>
     </p:extLst>
   </p:cSld>
@@ -1817,7 +1889,7 @@
 </file>
 
 <file path=ppt/slideLayouts/slideLayout6.xml><?xml version="1.0" encoding="utf-8"?>
-<p:sldLayout xmlns:a="http://schemas.openxmlformats.org/drawingml/2006/main" xmlns:r="http://schemas.openxmlformats.org/officeDocument/2006/relationships" xmlns:p="http://schemas.openxmlformats.org/presentationml/2006/main" showMasterSp="0" type="titleOnly" preserve="1">
+<p:sldLayout xmlns:a="http://schemas.openxmlformats.org/drawingml/2006/main" xmlns:r="http://schemas.openxmlformats.org/officeDocument/2006/relationships" xmlns:p="http://schemas.openxmlformats.org/presentationml/2006/main" type="titleOnly" preserve="1">
   <p:cSld name="Title Only">
     <p:spTree>
       <p:nvGrpSpPr>
@@ -1835,7 +1907,13 @@
       </p:grpSpPr>
       <p:sp>
         <p:nvSpPr>
-          <p:cNvPr id="2" name="Title 1"/>
+          <p:cNvPr id="2" name="Title 1">
+            <a:extLst>
+              <a:ext uri="{FF2B5EF4-FFF2-40B4-BE49-F238E27FC236}">
+                <a16:creationId xmlns:a16="http://schemas.microsoft.com/office/drawing/2014/main" id="{F679D7BE-B59C-4A2D-93AB-BC6EB23ECF6E}"/>
+              </a:ext>
+            </a:extLst>
+          </p:cNvPr>
           <p:cNvSpPr>
             <a:spLocks noGrp="1"/>
           </p:cNvSpPr>
@@ -1857,7 +1935,13 @@
       </p:sp>
       <p:sp>
         <p:nvSpPr>
-          <p:cNvPr id="3" name="Date Placeholder 2"/>
+          <p:cNvPr id="3" name="Date Placeholder 2">
+            <a:extLst>
+              <a:ext uri="{FF2B5EF4-FFF2-40B4-BE49-F238E27FC236}">
+                <a16:creationId xmlns:a16="http://schemas.microsoft.com/office/drawing/2014/main" id="{ABC55B66-8015-49D9-B880-7380BEE3BA1F}"/>
+              </a:ext>
+            </a:extLst>
+          </p:cNvPr>
           <p:cNvSpPr>
             <a:spLocks noGrp="1"/>
           </p:cNvSpPr>
@@ -1870,7 +1954,7 @@
           <a:bodyPr/>
           <a:lstStyle/>
           <a:p>
-            <a:fld id="{426B9DD5-D2B7-49DC-BA36-1E30DFBF7B84}" type="datetimeFigureOut">
+            <a:fld id="{E01C39C6-3501-4D24-801C-8B471AFBDCCE}" type="datetimeFigureOut">
               <a:rPr lang="en-US" smtClean="0"/>
               <a:t>11/16/2018</a:t>
             </a:fld>
@@ -1880,7 +1964,13 @@
       </p:sp>
       <p:sp>
         <p:nvSpPr>
-          <p:cNvPr id="4" name="Footer Placeholder 3"/>
+          <p:cNvPr id="4" name="Footer Placeholder 3">
+            <a:extLst>
+              <a:ext uri="{FF2B5EF4-FFF2-40B4-BE49-F238E27FC236}">
+                <a16:creationId xmlns:a16="http://schemas.microsoft.com/office/drawing/2014/main" id="{B1504D88-254E-434D-B6B3-F1AC638604E7}"/>
+              </a:ext>
+            </a:extLst>
+          </p:cNvPr>
           <p:cNvSpPr>
             <a:spLocks noGrp="1"/>
           </p:cNvSpPr>
@@ -1899,7 +1989,13 @@
       </p:sp>
       <p:sp>
         <p:nvSpPr>
-          <p:cNvPr id="5" name="Slide Number Placeholder 4"/>
+          <p:cNvPr id="5" name="Slide Number Placeholder 4">
+            <a:extLst>
+              <a:ext uri="{FF2B5EF4-FFF2-40B4-BE49-F238E27FC236}">
+                <a16:creationId xmlns:a16="http://schemas.microsoft.com/office/drawing/2014/main" id="{97F5328A-59E5-4D4A-A7E5-DC6A407EC5D2}"/>
+              </a:ext>
+            </a:extLst>
+          </p:cNvPr>
           <p:cNvSpPr>
             <a:spLocks noGrp="1"/>
           </p:cNvSpPr>
@@ -1912,7 +2008,7 @@
           <a:bodyPr/>
           <a:lstStyle/>
           <a:p>
-            <a:fld id="{DBCDEA5B-9948-40E0-9D22-EF4A730D5AC3}" type="slidenum">
+            <a:fld id="{986BF9AA-1B5B-419E-B179-FEA371A3B128}" type="slidenum">
               <a:rPr lang="en-US" smtClean="0"/>
               <a:t>‹#›</a:t>
             </a:fld>
@@ -1923,7 +2019,7 @@
     </p:spTree>
     <p:extLst>
       <p:ext uri="{BB962C8B-B14F-4D97-AF65-F5344CB8AC3E}">
-        <p14:creationId xmlns:p14="http://schemas.microsoft.com/office/powerpoint/2010/main" val="3651379678"/>
+        <p14:creationId xmlns:p14="http://schemas.microsoft.com/office/powerpoint/2010/main" val="819865994"/>
       </p:ext>
     </p:extLst>
   </p:cSld>
@@ -1934,7 +2030,7 @@
 </file>
 
 <file path=ppt/slideLayouts/slideLayout7.xml><?xml version="1.0" encoding="utf-8"?>
-<p:sldLayout xmlns:a="http://schemas.openxmlformats.org/drawingml/2006/main" xmlns:r="http://schemas.openxmlformats.org/officeDocument/2006/relationships" xmlns:p="http://schemas.openxmlformats.org/presentationml/2006/main" showMasterSp="0" type="blank" preserve="1">
+<p:sldLayout xmlns:a="http://schemas.openxmlformats.org/drawingml/2006/main" xmlns:r="http://schemas.openxmlformats.org/officeDocument/2006/relationships" xmlns:p="http://schemas.openxmlformats.org/presentationml/2006/main" type="blank" preserve="1">
   <p:cSld name="Blank">
     <p:spTree>
       <p:nvGrpSpPr>
@@ -1952,7 +2048,13 @@
       </p:grpSpPr>
       <p:sp>
         <p:nvSpPr>
-          <p:cNvPr id="2" name="Date Placeholder 1"/>
+          <p:cNvPr id="2" name="Date Placeholder 1">
+            <a:extLst>
+              <a:ext uri="{FF2B5EF4-FFF2-40B4-BE49-F238E27FC236}">
+                <a16:creationId xmlns:a16="http://schemas.microsoft.com/office/drawing/2014/main" id="{53A6A30B-32C4-4592-8CA1-323C84C4D2BC}"/>
+              </a:ext>
+            </a:extLst>
+          </p:cNvPr>
           <p:cNvSpPr>
             <a:spLocks noGrp="1"/>
           </p:cNvSpPr>
@@ -1965,7 +2067,7 @@
           <a:bodyPr/>
           <a:lstStyle/>
           <a:p>
-            <a:fld id="{426B9DD5-D2B7-49DC-BA36-1E30DFBF7B84}" type="datetimeFigureOut">
+            <a:fld id="{E01C39C6-3501-4D24-801C-8B471AFBDCCE}" type="datetimeFigureOut">
               <a:rPr lang="en-US" smtClean="0"/>
               <a:t>11/16/2018</a:t>
             </a:fld>
@@ -1975,7 +2077,13 @@
       </p:sp>
       <p:sp>
         <p:nvSpPr>
-          <p:cNvPr id="3" name="Footer Placeholder 2"/>
+          <p:cNvPr id="3" name="Footer Placeholder 2">
+            <a:extLst>
+              <a:ext uri="{FF2B5EF4-FFF2-40B4-BE49-F238E27FC236}">
+                <a16:creationId xmlns:a16="http://schemas.microsoft.com/office/drawing/2014/main" id="{1B62661F-1516-4D5E-8FA5-5896D03C643F}"/>
+              </a:ext>
+            </a:extLst>
+          </p:cNvPr>
           <p:cNvSpPr>
             <a:spLocks noGrp="1"/>
           </p:cNvSpPr>
@@ -1994,7 +2102,13 @@
       </p:sp>
       <p:sp>
         <p:nvSpPr>
-          <p:cNvPr id="4" name="Slide Number Placeholder 3"/>
+          <p:cNvPr id="4" name="Slide Number Placeholder 3">
+            <a:extLst>
+              <a:ext uri="{FF2B5EF4-FFF2-40B4-BE49-F238E27FC236}">
+                <a16:creationId xmlns:a16="http://schemas.microsoft.com/office/drawing/2014/main" id="{D2993A0D-32B9-4118-8777-413E5E123A2F}"/>
+              </a:ext>
+            </a:extLst>
+          </p:cNvPr>
           <p:cNvSpPr>
             <a:spLocks noGrp="1"/>
           </p:cNvSpPr>
@@ -2007,7 +2121,7 @@
           <a:bodyPr/>
           <a:lstStyle/>
           <a:p>
-            <a:fld id="{DBCDEA5B-9948-40E0-9D22-EF4A730D5AC3}" type="slidenum">
+            <a:fld id="{986BF9AA-1B5B-419E-B179-FEA371A3B128}" type="slidenum">
               <a:rPr lang="en-US" smtClean="0"/>
               <a:t>‹#›</a:t>
             </a:fld>
@@ -2018,7 +2132,7 @@
     </p:spTree>
     <p:extLst>
       <p:ext uri="{BB962C8B-B14F-4D97-AF65-F5344CB8AC3E}">
-        <p14:creationId xmlns:p14="http://schemas.microsoft.com/office/powerpoint/2010/main" val="307814868"/>
+        <p14:creationId xmlns:p14="http://schemas.microsoft.com/office/powerpoint/2010/main" val="2320800356"/>
       </p:ext>
     </p:extLst>
   </p:cSld>
@@ -2029,7 +2143,7 @@
 </file>
 
 <file path=ppt/slideLayouts/slideLayout8.xml><?xml version="1.0" encoding="utf-8"?>
-<p:sldLayout xmlns:a="http://schemas.openxmlformats.org/drawingml/2006/main" xmlns:r="http://schemas.openxmlformats.org/officeDocument/2006/relationships" xmlns:p="http://schemas.openxmlformats.org/presentationml/2006/main" showMasterSp="0" type="objTx" preserve="1">
+<p:sldLayout xmlns:a="http://schemas.openxmlformats.org/drawingml/2006/main" xmlns:r="http://schemas.openxmlformats.org/officeDocument/2006/relationships" xmlns:p="http://schemas.openxmlformats.org/presentationml/2006/main" type="objTx" preserve="1">
   <p:cSld name="Content with Caption">
     <p:spTree>
       <p:nvGrpSpPr>
@@ -2047,7 +2161,13 @@
       </p:grpSpPr>
       <p:sp>
         <p:nvSpPr>
-          <p:cNvPr id="2" name="Title 1"/>
+          <p:cNvPr id="2" name="Title 1">
+            <a:extLst>
+              <a:ext uri="{FF2B5EF4-FFF2-40B4-BE49-F238E27FC236}">
+                <a16:creationId xmlns:a16="http://schemas.microsoft.com/office/drawing/2014/main" id="{C278038D-62CC-458B-9A66-B98BC3172B58}"/>
+              </a:ext>
+            </a:extLst>
+          </p:cNvPr>
           <p:cNvSpPr>
             <a:spLocks noGrp="1"/>
           </p:cNvSpPr>
@@ -2078,7 +2198,13 @@
       </p:sp>
       <p:sp>
         <p:nvSpPr>
-          <p:cNvPr id="3" name="Content Placeholder 2"/>
+          <p:cNvPr id="3" name="Content Placeholder 2">
+            <a:extLst>
+              <a:ext uri="{FF2B5EF4-FFF2-40B4-BE49-F238E27FC236}">
+                <a16:creationId xmlns:a16="http://schemas.microsoft.com/office/drawing/2014/main" id="{0351AAEB-FA61-4B46-844C-DF09B78308F0}"/>
+              </a:ext>
+            </a:extLst>
+          </p:cNvPr>
           <p:cNvSpPr>
             <a:spLocks noGrp="1"/>
           </p:cNvSpPr>
@@ -2127,7 +2253,7 @@
             <a:pPr lvl="0"/>
             <a:r>
               <a:rPr lang="en-US"/>
-              <a:t>Click to edit Master text styles</a:t>
+              <a:t>Edit Master text styles</a:t>
             </a:r>
           </a:p>
           <a:p>
@@ -2162,7 +2288,13 @@
       </p:sp>
       <p:sp>
         <p:nvSpPr>
-          <p:cNvPr id="4" name="Text Placeholder 3"/>
+          <p:cNvPr id="4" name="Text Placeholder 3">
+            <a:extLst>
+              <a:ext uri="{FF2B5EF4-FFF2-40B4-BE49-F238E27FC236}">
+                <a16:creationId xmlns:a16="http://schemas.microsoft.com/office/drawing/2014/main" id="{B811CD27-3421-43C2-A82A-8A5EA6B95D32}"/>
+              </a:ext>
+            </a:extLst>
+          </p:cNvPr>
           <p:cNvSpPr>
             <a:spLocks noGrp="1"/>
           </p:cNvSpPr>
@@ -2220,14 +2352,20 @@
             <a:pPr lvl="0"/>
             <a:r>
               <a:rPr lang="en-US"/>
-              <a:t>Click to edit Master text styles</a:t>
-            </a:r>
-          </a:p>
-        </p:txBody>
-      </p:sp>
-      <p:sp>
-        <p:nvSpPr>
-          <p:cNvPr id="5" name="Date Placeholder 4"/>
+              <a:t>Edit Master text styles</a:t>
+            </a:r>
+          </a:p>
+        </p:txBody>
+      </p:sp>
+      <p:sp>
+        <p:nvSpPr>
+          <p:cNvPr id="5" name="Date Placeholder 4">
+            <a:extLst>
+              <a:ext uri="{FF2B5EF4-FFF2-40B4-BE49-F238E27FC236}">
+                <a16:creationId xmlns:a16="http://schemas.microsoft.com/office/drawing/2014/main" id="{AD64B4D1-15D5-4B22-A5CF-471E3905FB4F}"/>
+              </a:ext>
+            </a:extLst>
+          </p:cNvPr>
           <p:cNvSpPr>
             <a:spLocks noGrp="1"/>
           </p:cNvSpPr>
@@ -2240,7 +2378,7 @@
           <a:bodyPr/>
           <a:lstStyle/>
           <a:p>
-            <a:fld id="{426B9DD5-D2B7-49DC-BA36-1E30DFBF7B84}" type="datetimeFigureOut">
+            <a:fld id="{E01C39C6-3501-4D24-801C-8B471AFBDCCE}" type="datetimeFigureOut">
               <a:rPr lang="en-US" smtClean="0"/>
               <a:t>11/16/2018</a:t>
             </a:fld>
@@ -2250,7 +2388,13 @@
       </p:sp>
       <p:sp>
         <p:nvSpPr>
-          <p:cNvPr id="6" name="Footer Placeholder 5"/>
+          <p:cNvPr id="6" name="Footer Placeholder 5">
+            <a:extLst>
+              <a:ext uri="{FF2B5EF4-FFF2-40B4-BE49-F238E27FC236}">
+                <a16:creationId xmlns:a16="http://schemas.microsoft.com/office/drawing/2014/main" id="{F8A12315-E89E-4BB9-9495-2328496A817C}"/>
+              </a:ext>
+            </a:extLst>
+          </p:cNvPr>
           <p:cNvSpPr>
             <a:spLocks noGrp="1"/>
           </p:cNvSpPr>
@@ -2269,7 +2413,13 @@
       </p:sp>
       <p:sp>
         <p:nvSpPr>
-          <p:cNvPr id="7" name="Slide Number Placeholder 6"/>
+          <p:cNvPr id="7" name="Slide Number Placeholder 6">
+            <a:extLst>
+              <a:ext uri="{FF2B5EF4-FFF2-40B4-BE49-F238E27FC236}">
+                <a16:creationId xmlns:a16="http://schemas.microsoft.com/office/drawing/2014/main" id="{C0819C04-24FB-46B7-9233-B69CD8B8851C}"/>
+              </a:ext>
+            </a:extLst>
+          </p:cNvPr>
           <p:cNvSpPr>
             <a:spLocks noGrp="1"/>
           </p:cNvSpPr>
@@ -2282,7 +2432,7 @@
           <a:bodyPr/>
           <a:lstStyle/>
           <a:p>
-            <a:fld id="{DBCDEA5B-9948-40E0-9D22-EF4A730D5AC3}" type="slidenum">
+            <a:fld id="{986BF9AA-1B5B-419E-B179-FEA371A3B128}" type="slidenum">
               <a:rPr lang="en-US" smtClean="0"/>
               <a:t>‹#›</a:t>
             </a:fld>
@@ -2293,7 +2443,7 @@
     </p:spTree>
     <p:extLst>
       <p:ext uri="{BB962C8B-B14F-4D97-AF65-F5344CB8AC3E}">
-        <p14:creationId xmlns:p14="http://schemas.microsoft.com/office/powerpoint/2010/main" val="3038583010"/>
+        <p14:creationId xmlns:p14="http://schemas.microsoft.com/office/powerpoint/2010/main" val="3163346727"/>
       </p:ext>
     </p:extLst>
   </p:cSld>
@@ -2304,7 +2454,7 @@
 </file>
 
 <file path=ppt/slideLayouts/slideLayout9.xml><?xml version="1.0" encoding="utf-8"?>
-<p:sldLayout xmlns:a="http://schemas.openxmlformats.org/drawingml/2006/main" xmlns:r="http://schemas.openxmlformats.org/officeDocument/2006/relationships" xmlns:p="http://schemas.openxmlformats.org/presentationml/2006/main" showMasterSp="0" type="picTx" preserve="1">
+<p:sldLayout xmlns:a="http://schemas.openxmlformats.org/drawingml/2006/main" xmlns:r="http://schemas.openxmlformats.org/officeDocument/2006/relationships" xmlns:p="http://schemas.openxmlformats.org/presentationml/2006/main" type="picTx" preserve="1">
   <p:cSld name="Picture with Caption">
     <p:spTree>
       <p:nvGrpSpPr>
@@ -2322,7 +2472,13 @@
       </p:grpSpPr>
       <p:sp>
         <p:nvSpPr>
-          <p:cNvPr id="2" name="Title 1"/>
+          <p:cNvPr id="2" name="Title 1">
+            <a:extLst>
+              <a:ext uri="{FF2B5EF4-FFF2-40B4-BE49-F238E27FC236}">
+                <a16:creationId xmlns:a16="http://schemas.microsoft.com/office/drawing/2014/main" id="{AF9DA494-664B-4306-B6C7-F0228AFA046F}"/>
+              </a:ext>
+            </a:extLst>
+          </p:cNvPr>
           <p:cNvSpPr>
             <a:spLocks noGrp="1"/>
           </p:cNvSpPr>
@@ -2353,7 +2509,13 @@
       </p:sp>
       <p:sp>
         <p:nvSpPr>
-          <p:cNvPr id="3" name="Picture Placeholder 2"/>
+          <p:cNvPr id="3" name="Picture Placeholder 2">
+            <a:extLst>
+              <a:ext uri="{FF2B5EF4-FFF2-40B4-BE49-F238E27FC236}">
+                <a16:creationId xmlns:a16="http://schemas.microsoft.com/office/drawing/2014/main" id="{4D56A7B2-CDBB-4287-8E69-DFE5AF914992}"/>
+              </a:ext>
+            </a:extLst>
+          </p:cNvPr>
           <p:cNvSpPr>
             <a:spLocks noGrp="1"/>
           </p:cNvSpPr>
@@ -2414,7 +2576,13 @@
       </p:sp>
       <p:sp>
         <p:nvSpPr>
-          <p:cNvPr id="4" name="Text Placeholder 3"/>
+          <p:cNvPr id="4" name="Text Placeholder 3">
+            <a:extLst>
+              <a:ext uri="{FF2B5EF4-FFF2-40B4-BE49-F238E27FC236}">
+                <a16:creationId xmlns:a16="http://schemas.microsoft.com/office/drawing/2014/main" id="{962EE1E2-7276-4F2C-B285-C38B1D05C4B1}"/>
+              </a:ext>
+            </a:extLst>
+          </p:cNvPr>
           <p:cNvSpPr>
             <a:spLocks noGrp="1"/>
           </p:cNvSpPr>
@@ -2472,14 +2640,20 @@
             <a:pPr lvl="0"/>
             <a:r>
               <a:rPr lang="en-US"/>
-              <a:t>Click to edit Master text styles</a:t>
-            </a:r>
-          </a:p>
-        </p:txBody>
-      </p:sp>
-      <p:sp>
-        <p:nvSpPr>
-          <p:cNvPr id="5" name="Date Placeholder 4"/>
+              <a:t>Edit Master text styles</a:t>
+            </a:r>
+          </a:p>
+        </p:txBody>
+      </p:sp>
+      <p:sp>
+        <p:nvSpPr>
+          <p:cNvPr id="5" name="Date Placeholder 4">
+            <a:extLst>
+              <a:ext uri="{FF2B5EF4-FFF2-40B4-BE49-F238E27FC236}">
+                <a16:creationId xmlns:a16="http://schemas.microsoft.com/office/drawing/2014/main" id="{DD373488-88ED-42D7-826E-6EFE13B74117}"/>
+              </a:ext>
+            </a:extLst>
+          </p:cNvPr>
           <p:cNvSpPr>
             <a:spLocks noGrp="1"/>
           </p:cNvSpPr>
@@ -2492,7 +2666,7 @@
           <a:bodyPr/>
           <a:lstStyle/>
           <a:p>
-            <a:fld id="{426B9DD5-D2B7-49DC-BA36-1E30DFBF7B84}" type="datetimeFigureOut">
+            <a:fld id="{E01C39C6-3501-4D24-801C-8B471AFBDCCE}" type="datetimeFigureOut">
               <a:rPr lang="en-US" smtClean="0"/>
               <a:t>11/16/2018</a:t>
             </a:fld>
@@ -2502,7 +2676,13 @@
       </p:sp>
       <p:sp>
         <p:nvSpPr>
-          <p:cNvPr id="6" name="Footer Placeholder 5"/>
+          <p:cNvPr id="6" name="Footer Placeholder 5">
+            <a:extLst>
+              <a:ext uri="{FF2B5EF4-FFF2-40B4-BE49-F238E27FC236}">
+                <a16:creationId xmlns:a16="http://schemas.microsoft.com/office/drawing/2014/main" id="{2EA1FBFC-1853-474E-8EB4-5ABB8100B197}"/>
+              </a:ext>
+            </a:extLst>
+          </p:cNvPr>
           <p:cNvSpPr>
             <a:spLocks noGrp="1"/>
           </p:cNvSpPr>
@@ -2521,7 +2701,13 @@
       </p:sp>
       <p:sp>
         <p:nvSpPr>
-          <p:cNvPr id="7" name="Slide Number Placeholder 6"/>
+          <p:cNvPr id="7" name="Slide Number Placeholder 6">
+            <a:extLst>
+              <a:ext uri="{FF2B5EF4-FFF2-40B4-BE49-F238E27FC236}">
+                <a16:creationId xmlns:a16="http://schemas.microsoft.com/office/drawing/2014/main" id="{372A923E-7629-4184-8A16-3DC064A46821}"/>
+              </a:ext>
+            </a:extLst>
+          </p:cNvPr>
           <p:cNvSpPr>
             <a:spLocks noGrp="1"/>
           </p:cNvSpPr>
@@ -2534,7 +2720,7 @@
           <a:bodyPr/>
           <a:lstStyle/>
           <a:p>
-            <a:fld id="{DBCDEA5B-9948-40E0-9D22-EF4A730D5AC3}" type="slidenum">
+            <a:fld id="{986BF9AA-1B5B-419E-B179-FEA371A3B128}" type="slidenum">
               <a:rPr lang="en-US" smtClean="0"/>
               <a:t>‹#›</a:t>
             </a:fld>
@@ -2545,7 +2731,7 @@
     </p:spTree>
     <p:extLst>
       <p:ext uri="{BB962C8B-B14F-4D97-AF65-F5344CB8AC3E}">
-        <p14:creationId xmlns:p14="http://schemas.microsoft.com/office/powerpoint/2010/main" val="1961889594"/>
+        <p14:creationId xmlns:p14="http://schemas.microsoft.com/office/powerpoint/2010/main" val="3944528098"/>
       </p:ext>
     </p:extLst>
   </p:cSld>
@@ -2561,9 +2747,7 @@
     <p:bg>
       <p:bgPr>
         <a:solidFill>
-          <a:srgbClr val="BFAA65">
-            <a:alpha val="25000"/>
-          </a:srgbClr>
+          <a:srgbClr val="DCD7C5"/>
         </a:solidFill>
         <a:effectLst/>
       </p:bgPr>
@@ -2582,9 +2766,66 @@
           <a:chExt cx="0" cy="0"/>
         </a:xfrm>
       </p:grpSpPr>
-      <p:sp>
-        <p:nvSpPr>
-          <p:cNvPr id="2" name="Title Placeholder 1"/>
+      <p:pic>
+        <p:nvPicPr>
+          <p:cNvPr id="7" name="Picture 6">
+            <a:extLst>
+              <a:ext uri="{FF2B5EF4-FFF2-40B4-BE49-F238E27FC236}">
+                <a16:creationId xmlns:a16="http://schemas.microsoft.com/office/drawing/2014/main" id="{423999A4-5EAD-4636-A792-7D2898C85DEF}"/>
+              </a:ext>
+            </a:extLst>
+          </p:cNvPr>
+          <p:cNvPicPr>
+            <a:picLocks noChangeAspect="1"/>
+          </p:cNvPicPr>
+          <p:nvPr userDrawn="1"/>
+        </p:nvPicPr>
+        <p:blipFill>
+          <a:blip r:embed="rId13" cstate="print">
+            <a:alphaModFix amt="22000"/>
+            <a:extLst>
+              <a:ext uri="{BEBA8EAE-BF5A-486C-A8C5-ECC9F3942E4B}">
+                <a14:imgProps xmlns:a14="http://schemas.microsoft.com/office/drawing/2010/main">
+                  <a14:imgLayer r:embed="rId14">
+                    <a14:imgEffect>
+                      <a14:backgroundRemoval t="0" b="100000" l="99" r="100000">
+                        <a14:foregroundMark x1="38796" y1="96038" x2="38796" y2="96038"/>
+                        <a14:foregroundMark x1="18460" y1="78725" x2="18460" y2="78725"/>
+                        <a14:foregroundMark x1="19842" y1="21878" x2="19842" y2="21878"/>
+                      </a14:backgroundRemoval>
+                    </a14:imgEffect>
+                  </a14:imgLayer>
+                </a14:imgProps>
+              </a:ext>
+              <a:ext uri="{28A0092B-C50C-407E-A947-70E740481C1C}">
+                <a14:useLocalDpi xmlns:a14="http://schemas.microsoft.com/office/drawing/2010/main" val="0"/>
+              </a:ext>
+            </a:extLst>
+          </a:blip>
+          <a:stretch>
+            <a:fillRect/>
+          </a:stretch>
+        </p:blipFill>
+        <p:spPr>
+          <a:xfrm>
+            <a:off x="5629608" y="1"/>
+            <a:ext cx="6562392" cy="6858000"/>
+          </a:xfrm>
+          <a:prstGeom prst="rect">
+            <a:avLst/>
+          </a:prstGeom>
+          <a:noFill/>
+        </p:spPr>
+      </p:pic>
+      <p:sp>
+        <p:nvSpPr>
+          <p:cNvPr id="2" name="Title Placeholder 1">
+            <a:extLst>
+              <a:ext uri="{FF2B5EF4-FFF2-40B4-BE49-F238E27FC236}">
+                <a16:creationId xmlns:a16="http://schemas.microsoft.com/office/drawing/2014/main" id="{A1891FDE-28C0-4739-816E-E47B8C50599D}"/>
+              </a:ext>
+            </a:extLst>
+          </p:cNvPr>
           <p:cNvSpPr>
             <a:spLocks noGrp="1"/>
           </p:cNvSpPr>
@@ -2616,7 +2857,13 @@
       </p:sp>
       <p:sp>
         <p:nvSpPr>
-          <p:cNvPr id="3" name="Text Placeholder 2"/>
+          <p:cNvPr id="3" name="Text Placeholder 2">
+            <a:extLst>
+              <a:ext uri="{FF2B5EF4-FFF2-40B4-BE49-F238E27FC236}">
+                <a16:creationId xmlns:a16="http://schemas.microsoft.com/office/drawing/2014/main" id="{BB05017F-96D1-4AE5-B11D-D9A244B32EA6}"/>
+              </a:ext>
+            </a:extLst>
+          </p:cNvPr>
           <p:cNvSpPr>
             <a:spLocks noGrp="1"/>
           </p:cNvSpPr>
@@ -2642,7 +2889,7 @@
             <a:pPr lvl="0"/>
             <a:r>
               <a:rPr lang="en-US"/>
-              <a:t>Click to edit Master text styles</a:t>
+              <a:t>Edit Master text styles</a:t>
             </a:r>
           </a:p>
           <a:p>
@@ -2677,7 +2924,13 @@
       </p:sp>
       <p:sp>
         <p:nvSpPr>
-          <p:cNvPr id="4" name="Date Placeholder 3"/>
+          <p:cNvPr id="4" name="Date Placeholder 3">
+            <a:extLst>
+              <a:ext uri="{FF2B5EF4-FFF2-40B4-BE49-F238E27FC236}">
+                <a16:creationId xmlns:a16="http://schemas.microsoft.com/office/drawing/2014/main" id="{F06C40BF-5374-4796-877A-19C3CDD1A7E4}"/>
+              </a:ext>
+            </a:extLst>
+          </p:cNvPr>
           <p:cNvSpPr>
             <a:spLocks noGrp="1"/>
           </p:cNvSpPr>
@@ -2708,7 +2961,7 @@
             </a:lvl1pPr>
           </a:lstStyle>
           <a:p>
-            <a:fld id="{426B9DD5-D2B7-49DC-BA36-1E30DFBF7B84}" type="datetimeFigureOut">
+            <a:fld id="{E01C39C6-3501-4D24-801C-8B471AFBDCCE}" type="datetimeFigureOut">
               <a:rPr lang="en-US" smtClean="0"/>
               <a:t>11/16/2018</a:t>
             </a:fld>
@@ -2718,7 +2971,13 @@
       </p:sp>
       <p:sp>
         <p:nvSpPr>
-          <p:cNvPr id="5" name="Footer Placeholder 4"/>
+          <p:cNvPr id="5" name="Footer Placeholder 4">
+            <a:extLst>
+              <a:ext uri="{FF2B5EF4-FFF2-40B4-BE49-F238E27FC236}">
+                <a16:creationId xmlns:a16="http://schemas.microsoft.com/office/drawing/2014/main" id="{549AC1E5-C642-4945-BF16-F4206CCA33C1}"/>
+              </a:ext>
+            </a:extLst>
+          </p:cNvPr>
           <p:cNvSpPr>
             <a:spLocks noGrp="1"/>
           </p:cNvSpPr>
@@ -2755,7 +3014,13 @@
       </p:sp>
       <p:sp>
         <p:nvSpPr>
-          <p:cNvPr id="6" name="Slide Number Placeholder 5"/>
+          <p:cNvPr id="6" name="Slide Number Placeholder 5">
+            <a:extLst>
+              <a:ext uri="{FF2B5EF4-FFF2-40B4-BE49-F238E27FC236}">
+                <a16:creationId xmlns:a16="http://schemas.microsoft.com/office/drawing/2014/main" id="{8AC339E7-7104-4D7E-B289-77408C3D36EC}"/>
+              </a:ext>
+            </a:extLst>
+          </p:cNvPr>
           <p:cNvSpPr>
             <a:spLocks noGrp="1"/>
           </p:cNvSpPr>
@@ -2786,7 +3051,7 @@
             </a:lvl1pPr>
           </a:lstStyle>
           <a:p>
-            <a:fld id="{DBCDEA5B-9948-40E0-9D22-EF4A730D5AC3}" type="slidenum">
+            <a:fld id="{986BF9AA-1B5B-419E-B179-FEA371A3B128}" type="slidenum">
               <a:rPr lang="en-US" smtClean="0"/>
               <a:t>‹#›</a:t>
             </a:fld>
@@ -2797,7 +3062,7 @@
     </p:spTree>
     <p:extLst>
       <p:ext uri="{BB962C8B-B14F-4D97-AF65-F5344CB8AC3E}">
-        <p14:creationId xmlns:p14="http://schemas.microsoft.com/office/powerpoint/2010/main" val="1384469974"/>
+        <p14:creationId xmlns:p14="http://schemas.microsoft.com/office/powerpoint/2010/main" val="2200563981"/>
       </p:ext>
     </p:extLst>
   </p:cSld>
@@ -3115,61 +3380,10 @@
           <a:chExt cx="0" cy="0"/>
         </a:xfrm>
       </p:grpSpPr>
-      <p:pic>
-        <p:nvPicPr>
-          <p:cNvPr id="2" name="Picture 1">
-            <a:extLst>
-              <a:ext uri="{FF2B5EF4-FFF2-40B4-BE49-F238E27FC236}">
-                <a16:creationId xmlns:a16="http://schemas.microsoft.com/office/drawing/2014/main" id="{EBC1B578-21F0-4FCE-8124-AC6005E39C6B}"/>
-              </a:ext>
-            </a:extLst>
-          </p:cNvPr>
-          <p:cNvPicPr>
-            <a:picLocks noChangeAspect="1"/>
-          </p:cNvPicPr>
-          <p:nvPr/>
-        </p:nvPicPr>
-        <p:blipFill>
-          <a:blip r:embed="rId2" cstate="print">
-            <a:alphaModFix amt="22000"/>
-            <a:extLst>
-              <a:ext uri="{BEBA8EAE-BF5A-486C-A8C5-ECC9F3942E4B}">
-                <a14:imgProps xmlns:a14="http://schemas.microsoft.com/office/drawing/2010/main">
-                  <a14:imgLayer r:embed="rId3">
-                    <a14:imgEffect>
-                      <a14:backgroundRemoval t="0" b="100000" l="99" r="100000">
-                        <a14:foregroundMark x1="38796" y1="96038" x2="38796" y2="96038"/>
-                        <a14:foregroundMark x1="18460" y1="78725" x2="18460" y2="78725"/>
-                        <a14:foregroundMark x1="19842" y1="21878" x2="19842" y2="21878"/>
-                      </a14:backgroundRemoval>
-                    </a14:imgEffect>
-                  </a14:imgLayer>
-                </a14:imgProps>
-              </a:ext>
-              <a:ext uri="{28A0092B-C50C-407E-A947-70E740481C1C}">
-                <a14:useLocalDpi xmlns:a14="http://schemas.microsoft.com/office/drawing/2010/main" val="0"/>
-              </a:ext>
-            </a:extLst>
-          </a:blip>
-          <a:stretch>
-            <a:fillRect/>
-          </a:stretch>
-        </p:blipFill>
-        <p:spPr>
-          <a:xfrm>
-            <a:off x="6035773" y="0"/>
-            <a:ext cx="6156227" cy="6858000"/>
-          </a:xfrm>
-          <a:prstGeom prst="rect">
-            <a:avLst/>
-          </a:prstGeom>
-          <a:noFill/>
-        </p:spPr>
-      </p:pic>
     </p:spTree>
     <p:extLst>
       <p:ext uri="{BB962C8B-B14F-4D97-AF65-F5344CB8AC3E}">
-        <p14:creationId xmlns:p14="http://schemas.microsoft.com/office/powerpoint/2010/main" val="4173160727"/>
+        <p14:creationId xmlns:p14="http://schemas.microsoft.com/office/powerpoint/2010/main" val="3323865279"/>
       </p:ext>
     </p:extLst>
   </p:cSld>
@@ -3196,7 +3410,7 @@
         <a:srgbClr val="E7E6E6"/>
       </a:lt2>
       <a:accent1>
-        <a:srgbClr val="5B9BD5"/>
+        <a:srgbClr val="4472C4"/>
       </a:accent1>
       <a:accent2>
         <a:srgbClr val="ED7D31"/>
@@ -3208,7 +3422,7 @@
         <a:srgbClr val="FFC000"/>
       </a:accent4>
       <a:accent5>
-        <a:srgbClr val="4472C4"/>
+        <a:srgbClr val="5B9BD5"/>
       </a:accent5>
       <a:accent6>
         <a:srgbClr val="70AD47"/>
@@ -3222,12 +3436,12 @@
     </a:clrScheme>
     <a:fontScheme name="Office">
       <a:majorFont>
-        <a:latin typeface="Calibri Light"/>
+        <a:latin typeface="Calibri Light" panose="020F0302020204030204"/>
         <a:ea typeface=""/>
         <a:cs typeface=""/>
-        <a:font script="Jpan" typeface="ＭＳ Ｐゴシック"/>
+        <a:font script="Jpan" typeface="游ゴシック Light"/>
         <a:font script="Hang" typeface="맑은 고딕"/>
-        <a:font script="Hans" typeface="宋体"/>
+        <a:font script="Hans" typeface="等线 Light"/>
         <a:font script="Hant" typeface="新細明體"/>
         <a:font script="Arab" typeface="Times New Roman"/>
         <a:font script="Hebr" typeface="Times New Roman"/>
@@ -3255,14 +3469,31 @@
         <a:font script="Viet" typeface="Times New Roman"/>
         <a:font script="Uigh" typeface="Microsoft Uighur"/>
         <a:font script="Geor" typeface="Sylfaen"/>
+        <a:font script="Armn" typeface="Arial"/>
+        <a:font script="Bugi" typeface="Leelawadee UI"/>
+        <a:font script="Bopo" typeface="Microsoft JhengHei"/>
+        <a:font script="Java" typeface="Javanese Text"/>
+        <a:font script="Lisu" typeface="Segoe UI"/>
+        <a:font script="Mymr" typeface="Myanmar Text"/>
+        <a:font script="Nkoo" typeface="Ebrima"/>
+        <a:font script="Olck" typeface="Nirmala UI"/>
+        <a:font script="Osma" typeface="Ebrima"/>
+        <a:font script="Phag" typeface="Phagspa"/>
+        <a:font script="Syrn" typeface="Estrangelo Edessa"/>
+        <a:font script="Syrj" typeface="Estrangelo Edessa"/>
+        <a:font script="Syre" typeface="Estrangelo Edessa"/>
+        <a:font script="Sora" typeface="Nirmala UI"/>
+        <a:font script="Tale" typeface="Microsoft Tai Le"/>
+        <a:font script="Talu" typeface="Microsoft New Tai Lue"/>
+        <a:font script="Tfng" typeface="Ebrima"/>
       </a:majorFont>
       <a:minorFont>
-        <a:latin typeface="Calibri"/>
+        <a:latin typeface="Calibri" panose="020F0502020204030204"/>
         <a:ea typeface=""/>
         <a:cs typeface=""/>
-        <a:font script="Jpan" typeface="ＭＳ Ｐゴシック"/>
+        <a:font script="Jpan" typeface="游ゴシック"/>
         <a:font script="Hang" typeface="맑은 고딕"/>
-        <a:font script="Hans" typeface="宋体"/>
+        <a:font script="Hans" typeface="等线"/>
         <a:font script="Hant" typeface="新細明體"/>
         <a:font script="Arab" typeface="Arial"/>
         <a:font script="Hebr" typeface="Arial"/>
@@ -3290,6 +3521,23 @@
         <a:font script="Viet" typeface="Arial"/>
         <a:font script="Uigh" typeface="Microsoft Uighur"/>
         <a:font script="Geor" typeface="Sylfaen"/>
+        <a:font script="Armn" typeface="Arial"/>
+        <a:font script="Bugi" typeface="Leelawadee UI"/>
+        <a:font script="Bopo" typeface="Microsoft JhengHei"/>
+        <a:font script="Java" typeface="Javanese Text"/>
+        <a:font script="Lisu" typeface="Segoe UI"/>
+        <a:font script="Mymr" typeface="Myanmar Text"/>
+        <a:font script="Nkoo" typeface="Ebrima"/>
+        <a:font script="Olck" typeface="Nirmala UI"/>
+        <a:font script="Osma" typeface="Ebrima"/>
+        <a:font script="Phag" typeface="Phagspa"/>
+        <a:font script="Syrn" typeface="Estrangelo Edessa"/>
+        <a:font script="Syrj" typeface="Estrangelo Edessa"/>
+        <a:font script="Syre" typeface="Estrangelo Edessa"/>
+        <a:font script="Sora" typeface="Nirmala UI"/>
+        <a:font script="Tale" typeface="Microsoft Tai Le"/>
+        <a:font script="Talu" typeface="Microsoft New Tai Lue"/>
+        <a:font script="Tfng" typeface="Ebrima"/>
       </a:minorFont>
     </a:fontScheme>
     <a:fmtScheme name="Office">
